--- a/Monsoon Bonanza Offer.pptx
+++ b/Monsoon Bonanza Offer.pptx
@@ -10,6 +10,7 @@
     <p:sldId id="264" r:id="rId4"/>
     <p:sldId id="265" r:id="rId5"/>
     <p:sldId id="267" r:id="rId6"/>
+    <p:sldId id="269" r:id="rId7"/>
   </p:sldIdLst>
   <p:sldSz cx="12192000" cy="6858000"/>
   <p:notesSz cx="6858000" cy="9144000"/>
@@ -108,6 +109,11 @@
       </a:defRPr>
     </a:lvl9pPr>
   </p:defaultTextStyle>
+  <p:extLst>
+    <p:ext uri="{EFAFB233-063F-42B5-8137-9DF3F51BA10A}">
+      <p15:sldGuideLst xmlns:p15="http://schemas.microsoft.com/office/powerpoint/2012/main"/>
+    </p:ext>
+  </p:extLst>
 </p:presentation>
 </file>
 
@@ -260,7 +266,7 @@
           <a:p>
             <a:fld id="{B9CBFC18-946B-4079-B581-58535D8C6C7A}" type="datetimeFigureOut">
               <a:rPr lang="en-IN" smtClean="0"/>
-              <a:t>08-07-2023</a:t>
+              <a:t>09-07-2023</a:t>
             </a:fld>
             <a:endParaRPr lang="en-IN"/>
           </a:p>
@@ -460,7 +466,7 @@
           <a:p>
             <a:fld id="{B9CBFC18-946B-4079-B581-58535D8C6C7A}" type="datetimeFigureOut">
               <a:rPr lang="en-IN" smtClean="0"/>
-              <a:t>08-07-2023</a:t>
+              <a:t>09-07-2023</a:t>
             </a:fld>
             <a:endParaRPr lang="en-IN"/>
           </a:p>
@@ -670,7 +676,7 @@
           <a:p>
             <a:fld id="{B9CBFC18-946B-4079-B581-58535D8C6C7A}" type="datetimeFigureOut">
               <a:rPr lang="en-IN" smtClean="0"/>
-              <a:t>08-07-2023</a:t>
+              <a:t>09-07-2023</a:t>
             </a:fld>
             <a:endParaRPr lang="en-IN"/>
           </a:p>
@@ -870,7 +876,7 @@
           <a:p>
             <a:fld id="{B9CBFC18-946B-4079-B581-58535D8C6C7A}" type="datetimeFigureOut">
               <a:rPr lang="en-IN" smtClean="0"/>
-              <a:t>08-07-2023</a:t>
+              <a:t>09-07-2023</a:t>
             </a:fld>
             <a:endParaRPr lang="en-IN"/>
           </a:p>
@@ -1146,7 +1152,7 @@
           <a:p>
             <a:fld id="{B9CBFC18-946B-4079-B581-58535D8C6C7A}" type="datetimeFigureOut">
               <a:rPr lang="en-IN" smtClean="0"/>
-              <a:t>08-07-2023</a:t>
+              <a:t>09-07-2023</a:t>
             </a:fld>
             <a:endParaRPr lang="en-IN"/>
           </a:p>
@@ -1414,7 +1420,7 @@
           <a:p>
             <a:fld id="{B9CBFC18-946B-4079-B581-58535D8C6C7A}" type="datetimeFigureOut">
               <a:rPr lang="en-IN" smtClean="0"/>
-              <a:t>08-07-2023</a:t>
+              <a:t>09-07-2023</a:t>
             </a:fld>
             <a:endParaRPr lang="en-IN"/>
           </a:p>
@@ -1829,7 +1835,7 @@
           <a:p>
             <a:fld id="{B9CBFC18-946B-4079-B581-58535D8C6C7A}" type="datetimeFigureOut">
               <a:rPr lang="en-IN" smtClean="0"/>
-              <a:t>08-07-2023</a:t>
+              <a:t>09-07-2023</a:t>
             </a:fld>
             <a:endParaRPr lang="en-IN"/>
           </a:p>
@@ -1971,7 +1977,7 @@
           <a:p>
             <a:fld id="{B9CBFC18-946B-4079-B581-58535D8C6C7A}" type="datetimeFigureOut">
               <a:rPr lang="en-IN" smtClean="0"/>
-              <a:t>08-07-2023</a:t>
+              <a:t>09-07-2023</a:t>
             </a:fld>
             <a:endParaRPr lang="en-IN"/>
           </a:p>
@@ -2084,7 +2090,7 @@
           <a:p>
             <a:fld id="{B9CBFC18-946B-4079-B581-58535D8C6C7A}" type="datetimeFigureOut">
               <a:rPr lang="en-IN" smtClean="0"/>
-              <a:t>08-07-2023</a:t>
+              <a:t>09-07-2023</a:t>
             </a:fld>
             <a:endParaRPr lang="en-IN"/>
           </a:p>
@@ -2397,7 +2403,7 @@
           <a:p>
             <a:fld id="{B9CBFC18-946B-4079-B581-58535D8C6C7A}" type="datetimeFigureOut">
               <a:rPr lang="en-IN" smtClean="0"/>
-              <a:t>08-07-2023</a:t>
+              <a:t>09-07-2023</a:t>
             </a:fld>
             <a:endParaRPr lang="en-IN"/>
           </a:p>
@@ -2686,7 +2692,7 @@
           <a:p>
             <a:fld id="{B9CBFC18-946B-4079-B581-58535D8C6C7A}" type="datetimeFigureOut">
               <a:rPr lang="en-IN" smtClean="0"/>
-              <a:t>08-07-2023</a:t>
+              <a:t>09-07-2023</a:t>
             </a:fld>
             <a:endParaRPr lang="en-IN"/>
           </a:p>
@@ -2929,7 +2935,7 @@
           <a:p>
             <a:fld id="{B9CBFC18-946B-4079-B581-58535D8C6C7A}" type="datetimeFigureOut">
               <a:rPr lang="en-IN" smtClean="0"/>
-              <a:t>08-07-2023</a:t>
+              <a:t>09-07-2023</a:t>
             </a:fld>
             <a:endParaRPr lang="en-IN"/>
           </a:p>
@@ -3860,22 +3866,25 @@
         </p:nvSpPr>
         <p:spPr>
           <a:xfrm>
-            <a:off x="4038600" y="1939159"/>
-            <a:ext cx="7644627" cy="2751086"/>
+            <a:off x="4038600" y="3693459"/>
+            <a:ext cx="7644627" cy="996786"/>
           </a:xfrm>
         </p:spPr>
         <p:txBody>
           <a:bodyPr>
-            <a:normAutofit/>
+            <a:noAutofit/>
           </a:bodyPr>
           <a:lstStyle/>
           <a:p>
-            <a:pPr algn="r"/>
-            <a:r>
-              <a:rPr lang="en-US" dirty="0"/>
+            <a:r>
+              <a:rPr lang="en-US" sz="6600" dirty="0">
+                <a:latin typeface="Bauhaus 93" panose="04030905020B02020C02" pitchFamily="82" charset="0"/>
+              </a:rPr>
               <a:t>Monsoon Bonanza Offer</a:t>
             </a:r>
-            <a:endParaRPr lang="en-IN" dirty="0"/>
+            <a:endParaRPr lang="en-IN" sz="6600" dirty="0">
+              <a:latin typeface="Bauhaus 93" panose="04030905020B02020C02" pitchFamily="82" charset="0"/>
+            </a:endParaRPr>
           </a:p>
         </p:txBody>
       </p:sp>
@@ -3897,22 +3906,28 @@
         </p:nvSpPr>
         <p:spPr>
           <a:xfrm>
-            <a:off x="4038600" y="4782320"/>
-            <a:ext cx="7644627" cy="1329443"/>
+            <a:off x="7973421" y="4752144"/>
+            <a:ext cx="4052048" cy="681319"/>
           </a:xfrm>
         </p:spPr>
         <p:txBody>
           <a:bodyPr>
-            <a:normAutofit/>
+            <a:noAutofit/>
           </a:bodyPr>
           <a:lstStyle/>
           <a:p>
             <a:pPr algn="r"/>
             <a:r>
-              <a:rPr lang="en-US" dirty="0"/>
-              <a:t>Saving Cash Offer</a:t>
-            </a:r>
-            <a:endParaRPr lang="en-IN" dirty="0"/>
+              <a:rPr lang="en-US" sz="3200" dirty="0">
+                <a:latin typeface="Aharoni" panose="02010803020104030203" pitchFamily="2" charset="-79"/>
+                <a:cs typeface="Aharoni" panose="02010803020104030203" pitchFamily="2" charset="-79"/>
+              </a:rPr>
+              <a:t>Cash saving Offer</a:t>
+            </a:r>
+            <a:endParaRPr lang="en-IN" sz="3200" dirty="0">
+              <a:latin typeface="Aharoni" panose="02010803020104030203" pitchFamily="2" charset="-79"/>
+              <a:cs typeface="Aharoni" panose="02010803020104030203" pitchFamily="2" charset="-79"/>
+            </a:endParaRPr>
           </a:p>
         </p:txBody>
       </p:sp>
@@ -4375,48 +4390,45 @@
           <a:p>
             <a:r>
               <a:rPr lang="en-US" dirty="0"/>
-              <a:t>Expenditure History</a:t>
+              <a:t>Online purchases will remains same for the next 1 year.</a:t>
+            </a:r>
+          </a:p>
+          <a:p>
+            <a:r>
+              <a:rPr lang="en-IN" dirty="0"/>
+              <a:t>No of People using online OTT platforms will not change.</a:t>
             </a:r>
           </a:p>
           <a:p>
             <a:r>
               <a:rPr lang="en-US" dirty="0"/>
-              <a:t>consumption behavior</a:t>
+              <a:t>Spending preference will remain for online(</a:t>
+            </a:r>
+            <a:r>
+              <a:rPr lang="en-IN" dirty="0"/>
+              <a:t>Grocery shopping, Food delivery, Medical care) next few year.</a:t>
             </a:r>
           </a:p>
           <a:p>
             <a:r>
               <a:rPr lang="en-US" dirty="0"/>
-              <a:t>spending preference</a:t>
+              <a:t>Spending potential will not change.</a:t>
             </a:r>
             <a:endParaRPr lang="en-IN" dirty="0"/>
           </a:p>
           <a:p>
             <a:r>
               <a:rPr lang="en-US" dirty="0"/>
-              <a:t>spending potential</a:t>
-            </a:r>
-            <a:endParaRPr lang="en-IN" dirty="0"/>
-          </a:p>
-          <a:p>
-            <a:r>
-              <a:rPr lang="en-US" dirty="0"/>
-              <a:t>preferred channel purchase</a:t>
-            </a:r>
-          </a:p>
-          <a:p>
-            <a:r>
-              <a:rPr lang="en-US" dirty="0"/>
-              <a:t>Low Risk Profile, Medium Risk</a:t>
-            </a:r>
-          </a:p>
-          <a:p>
-            <a:endParaRPr lang="en-US" dirty="0"/>
-          </a:p>
-          <a:p>
-            <a:endParaRPr lang="en-US" dirty="0"/>
-          </a:p>
-          <a:p>
+              <a:t>Low-Risk Profile, Medium Risk.</a:t>
+            </a:r>
+          </a:p>
+          <a:p>
+            <a:pPr marL="0" indent="0">
+              <a:spcAft>
+                <a:spcPts val="750"/>
+              </a:spcAft>
+              <a:buNone/>
+            </a:pPr>
             <a:endParaRPr lang="en-IN" dirty="0"/>
           </a:p>
         </p:txBody>
@@ -4671,8 +4683,8 @@
         </p:nvSpPr>
         <p:spPr>
           <a:xfrm>
-            <a:off x="686834" y="1153572"/>
-            <a:ext cx="3200400" cy="4461163"/>
+            <a:off x="295835" y="1153572"/>
+            <a:ext cx="3591399" cy="4461163"/>
           </a:xfrm>
         </p:spPr>
         <p:txBody>
@@ -4681,19 +4693,41 @@
           </a:bodyPr>
           <a:lstStyle/>
           <a:p>
-            <a:r>
-              <a:rPr lang="en-US" sz="4000" dirty="0">
+            <a:pPr algn="ctr">
+              <a:lnSpc>
+                <a:spcPct val="150000"/>
+              </a:lnSpc>
+              <a:spcAft>
+                <a:spcPts val="750"/>
+              </a:spcAft>
+            </a:pPr>
+            <a:r>
+              <a:rPr lang="en-IN" sz="4000" dirty="0">
                 <a:solidFill>
                   <a:srgbClr val="FFFFFF"/>
                 </a:solidFill>
               </a:rPr>
-              <a:t>DATA 	</a:t>
-            </a:r>
-            <a:endParaRPr lang="en-IN" sz="4000" dirty="0">
-              <a:solidFill>
-                <a:srgbClr val="FFFFFF"/>
-              </a:solidFill>
-            </a:endParaRPr>
+              <a:t>DATA</a:t>
+            </a:r>
+            <a:r>
+              <a:rPr lang="en-IN" sz="4000" spc="-40" dirty="0">
+                <a:solidFill>
+                  <a:srgbClr val="090D3D"/>
+                </a:solidFill>
+                <a:effectLst/>
+                <a:latin typeface="Arial" panose="020B0604020202020204" pitchFamily="34" charset="0"/>
+                <a:ea typeface="Times New Roman" panose="02020603050405020304" pitchFamily="18" charset="0"/>
+              </a:rPr>
+              <a:t> </a:t>
+            </a:r>
+            <a:r>
+              <a:rPr lang="en-IN" sz="4000" dirty="0">
+                <a:solidFill>
+                  <a:srgbClr val="FFFFFF"/>
+                </a:solidFill>
+              </a:rPr>
+              <a:t>REQUIRED</a:t>
+            </a:r>
           </a:p>
         </p:txBody>
       </p:sp>
@@ -4776,8 +4810,8 @@
         </p:nvSpPr>
         <p:spPr>
           <a:xfrm>
-            <a:off x="4447308" y="591344"/>
-            <a:ext cx="6906491" cy="5585619"/>
+            <a:off x="4537032" y="959224"/>
+            <a:ext cx="6943360" cy="5701856"/>
           </a:xfrm>
         </p:spPr>
         <p:txBody>
@@ -4787,56 +4821,60 @@
           <a:lstStyle/>
           <a:p>
             <a:r>
+              <a:rPr lang="en-IN" dirty="0"/>
+              <a:t>Customer online purchase segmentation</a:t>
+            </a:r>
+            <a:r>
+              <a:rPr lang="en-IN" sz="1800" dirty="0">
+                <a:solidFill>
+                  <a:srgbClr val="D1D5DB"/>
+                </a:solidFill>
+                <a:effectLst/>
+                <a:latin typeface="Segoe UI" panose="020B0502040204020203" pitchFamily="34" charset="0"/>
+                <a:ea typeface="Calibri" panose="020F0502020204030204" pitchFamily="34" charset="0"/>
+              </a:rPr>
+              <a:t> </a:t>
+            </a:r>
+            <a:r>
+              <a:rPr lang="en-IN" dirty="0"/>
+              <a:t>(Personalization and targeting).</a:t>
+            </a:r>
+          </a:p>
+          <a:p>
+            <a:r>
               <a:rPr lang="en-US" dirty="0"/>
-              <a:t>Income Avg 5-10 lakh</a:t>
-            </a:r>
+              <a:t>Types of products purchased</a:t>
+            </a:r>
+            <a:endParaRPr lang="en-IN" dirty="0"/>
           </a:p>
           <a:p>
             <a:r>
               <a:rPr lang="en-US" dirty="0"/>
-              <a:t>Age Group – 25-40</a:t>
+              <a:t>Income Avg 5-10 lakh(Low-Risk Profile, Medium Risk)</a:t>
             </a:r>
           </a:p>
           <a:p>
             <a:r>
               <a:rPr lang="en-US" dirty="0"/>
-              <a:t>preferred channel purchase</a:t>
+              <a:t>Different OTT platform membership purchase</a:t>
             </a:r>
           </a:p>
           <a:p>
             <a:r>
               <a:rPr lang="en-US" dirty="0"/>
-              <a:t>Time of year</a:t>
+              <a:t>Repayment Life Cycle data</a:t>
             </a:r>
           </a:p>
           <a:p>
             <a:r>
               <a:rPr lang="en-US" dirty="0"/>
-              <a:t>Age</a:t>
+              <a:t>Age Group – 25-45</a:t>
             </a:r>
           </a:p>
           <a:p>
             <a:r>
               <a:rPr lang="en-US" dirty="0"/>
               <a:t>Geolocational data</a:t>
-            </a:r>
-          </a:p>
-          <a:p>
-            <a:r>
-              <a:rPr lang="en-US" dirty="0"/>
-              <a:t>Gender</a:t>
-            </a:r>
-          </a:p>
-          <a:p>
-            <a:r>
-              <a:rPr lang="en-US" dirty="0"/>
-              <a:t>Types of products purchased</a:t>
-            </a:r>
-          </a:p>
-          <a:p>
-            <a:r>
-              <a:rPr lang="en-US" dirty="0"/>
-              <a:t>Historical purchase behavior</a:t>
             </a:r>
           </a:p>
           <a:p>
@@ -5202,7 +5240,7 @@
         </p:nvSpPr>
         <p:spPr>
           <a:xfrm>
-            <a:off x="4447308" y="591344"/>
+            <a:off x="4438072" y="636190"/>
             <a:ext cx="6906491" cy="5585619"/>
           </a:xfrm>
         </p:spPr>
@@ -5212,39 +5250,77 @@
           </a:bodyPr>
           <a:lstStyle/>
           <a:p>
-            <a:r>
-              <a:rPr lang="en-US" dirty="0"/>
-              <a:t>Preferred channel purchase – Ecommerce, Fuels, Food Items, Medicine, EMI of Cars/Home, Luxury Items, Airport Lounge</a:t>
-            </a:r>
-          </a:p>
-          <a:p>
+            <a:pPr>
+              <a:lnSpc>
+                <a:spcPct val="100000"/>
+              </a:lnSpc>
+            </a:pPr>
+            <a:r>
+              <a:rPr lang="en-IN" dirty="0"/>
+              <a:t>Customer online purchase segmentation-</a:t>
+            </a:r>
+          </a:p>
+          <a:p>
+            <a:pPr marL="0" indent="0">
+              <a:lnSpc>
+                <a:spcPct val="100000"/>
+              </a:lnSpc>
+              <a:buNone/>
+            </a:pPr>
+            <a:r>
+              <a:rPr lang="en-IN" dirty="0"/>
+              <a:t>   Analysing which segments are customers spending more  </a:t>
+            </a:r>
+            <a:endParaRPr lang="en-US" dirty="0"/>
+          </a:p>
+          <a:p>
+            <a:pPr>
+              <a:lnSpc>
+                <a:spcPct val="100000"/>
+              </a:lnSpc>
+            </a:pPr>
             <a:r>
               <a:rPr lang="en-US" dirty="0"/>
               <a:t>Risk Analytics</a:t>
             </a:r>
           </a:p>
           <a:p>
+            <a:pPr>
+              <a:lnSpc>
+                <a:spcPct val="100000"/>
+              </a:lnSpc>
+            </a:pPr>
             <a:r>
               <a:rPr lang="en-US" dirty="0"/>
-              <a:t>Repayment Life Cycle</a:t>
-            </a:r>
-          </a:p>
-          <a:p>
+              <a:t>Repayment Life Cycle data- checking how they are paying back. </a:t>
+            </a:r>
+          </a:p>
+          <a:p>
+            <a:pPr>
+              <a:lnSpc>
+                <a:spcPct val="100000"/>
+              </a:lnSpc>
+            </a:pPr>
             <a:r>
               <a:rPr lang="en-US" dirty="0"/>
-              <a:t>Multi-channel Marketing</a:t>
-            </a:r>
-          </a:p>
-          <a:p>
+              <a:t>Multi-channel Marketing effects</a:t>
+            </a:r>
+          </a:p>
+          <a:p>
+            <a:pPr>
+              <a:lnSpc>
+                <a:spcPct val="100000"/>
+              </a:lnSpc>
+            </a:pPr>
             <a:r>
               <a:rPr lang="en-US" dirty="0"/>
-              <a:t>Mode Payment – Parent App, Third Party, UPI, Wallets, Through Reward Points, Flexibility in Payments.</a:t>
-            </a:r>
-          </a:p>
-          <a:p>
-            <a:endParaRPr lang="en-US" dirty="0"/>
-          </a:p>
-          <a:p>
+              <a:t>Redeem and Reward Points.</a:t>
+            </a:r>
+          </a:p>
+          <a:p>
+            <a:pPr marL="0" indent="0">
+              <a:buNone/>
+            </a:pPr>
             <a:endParaRPr lang="en-IN" dirty="0"/>
           </a:p>
         </p:txBody>
@@ -5614,62 +5690,58 @@
           </a:bodyPr>
           <a:lstStyle/>
           <a:p>
-            <a:r>
-              <a:rPr lang="en-US" dirty="0"/>
-              <a:t>Channelizing 100 </a:t>
-            </a:r>
-            <a:r>
-              <a:rPr lang="en-US" dirty="0" err="1"/>
-              <a:t>cr</a:t>
-            </a:r>
-            <a:r>
-              <a:rPr lang="en-US" dirty="0"/>
-              <a:t> different Sector  - Ecommerce, Fuels, Food Items, Medicine, EMI of Cars/Home, Luxury Items, Airport Lounge</a:t>
-            </a:r>
-          </a:p>
-          <a:p>
-            <a:r>
-              <a:rPr lang="en-US" dirty="0"/>
-              <a:t>Ecommerce – Collaboration to </a:t>
-            </a:r>
-            <a:r>
-              <a:rPr lang="en-US"/>
-              <a:t>show offers</a:t>
-            </a:r>
+            <a:pPr>
+              <a:spcAft>
+                <a:spcPts val="750"/>
+              </a:spcAft>
+            </a:pPr>
+            <a:r>
+              <a:rPr lang="en-US" sz="2700" dirty="0"/>
+              <a:t>Channelizing 93 crore different Sectors -</a:t>
+            </a:r>
+            <a:r>
+              <a:rPr lang="en-IN" sz="2700" dirty="0"/>
+              <a:t> Online shopping, Grocery shopping, Subscription services (Netflix), Gym memberships, Food delivery, Utility bills( electric, water, gas), Medical care, </a:t>
+            </a:r>
+            <a:r>
+              <a:rPr lang="en-US" sz="2700" dirty="0"/>
+              <a:t>Fuels, Luxury Items, Airport Lounge.</a:t>
+            </a:r>
+          </a:p>
+          <a:p>
+            <a:r>
+              <a:rPr lang="en-US" sz="2700" dirty="0"/>
+              <a:t>Channelizing 5 crore </a:t>
+            </a:r>
+            <a:r>
+              <a:rPr lang="en-IN" sz="2700" dirty="0"/>
+              <a:t>Multi-channel marketing.</a:t>
+            </a:r>
+          </a:p>
+          <a:p>
+            <a:r>
+              <a:rPr lang="en-US" sz="2700" dirty="0"/>
+              <a:t>miscellaneous cost (Customer Service, employee cost,</a:t>
+            </a:r>
+            <a:r>
+              <a:rPr lang="en-IN" sz="2700" dirty="0"/>
+              <a:t>Building ML </a:t>
+            </a:r>
+            <a:r>
+              <a:rPr lang="en-IN" sz="2700" dirty="0" err="1"/>
+              <a:t>Modeling</a:t>
+            </a:r>
+            <a:r>
+              <a:rPr lang="en-IN" sz="2700" dirty="0"/>
+              <a:t>).</a:t>
+            </a:r>
+            <a:endParaRPr lang="en-US" sz="2700" dirty="0"/>
+          </a:p>
+          <a:p>
+            <a:pPr marL="0" indent="0">
+              <a:buNone/>
+            </a:pPr>
             <a:endParaRPr lang="en-US" dirty="0"/>
-          </a:p>
-          <a:p>
-            <a:r>
-              <a:rPr lang="en-US" dirty="0"/>
-              <a:t>Affiliate Marketing</a:t>
-            </a:r>
-          </a:p>
-          <a:p>
-            <a:r>
-              <a:rPr lang="en-US" dirty="0"/>
-              <a:t>Loan Offer – Reducing ROI</a:t>
-            </a:r>
-          </a:p>
-          <a:p>
-            <a:r>
-              <a:rPr lang="en-US" dirty="0"/>
-              <a:t>Redeem Points</a:t>
-            </a:r>
-          </a:p>
-          <a:p>
-            <a:r>
-              <a:rPr lang="en-US" dirty="0"/>
-              <a:t>Customer Service</a:t>
-            </a:r>
-          </a:p>
-          <a:p>
-            <a:endParaRPr lang="en-US" dirty="0"/>
-          </a:p>
-          <a:p>
-            <a:endParaRPr lang="en-US" dirty="0"/>
-          </a:p>
-          <a:p>
-            <a:endParaRPr lang="en-IN" dirty="0"/>
           </a:p>
         </p:txBody>
       </p:sp>
@@ -5677,6 +5749,389 @@
     <p:extLst>
       <p:ext uri="{BB962C8B-B14F-4D97-AF65-F5344CB8AC3E}">
         <p14:creationId xmlns:p14="http://schemas.microsoft.com/office/powerpoint/2010/main" val="3954412574"/>
+      </p:ext>
+    </p:extLst>
+  </p:cSld>
+  <p:clrMapOvr>
+    <a:masterClrMapping/>
+  </p:clrMapOvr>
+</p:sld>
+</file>
+
+<file path=ppt/slides/slide6.xml><?xml version="1.0" encoding="utf-8"?>
+<p:sld xmlns:a="http://schemas.openxmlformats.org/drawingml/2006/main" xmlns:r="http://schemas.openxmlformats.org/officeDocument/2006/relationships" xmlns:p="http://schemas.openxmlformats.org/presentationml/2006/main">
+  <p:cSld>
+    <p:bg>
+      <p:bgPr>
+        <a:solidFill>
+          <a:schemeClr val="bg1"/>
+        </a:solidFill>
+        <a:effectLst/>
+      </p:bgPr>
+    </p:bg>
+    <p:spTree>
+      <p:nvGrpSpPr>
+        <p:cNvPr id="1" name=""/>
+        <p:cNvGrpSpPr/>
+        <p:nvPr/>
+      </p:nvGrpSpPr>
+      <p:grpSpPr>
+        <a:xfrm>
+          <a:off x="0" y="0"/>
+          <a:ext cx="0" cy="0"/>
+          <a:chOff x="0" y="0"/>
+          <a:chExt cx="0" cy="0"/>
+        </a:xfrm>
+      </p:grpSpPr>
+      <p:sp useBgFill="1">
+        <p:nvSpPr>
+          <p:cNvPr id="8" name="Rectangle 7">
+            <a:extLst>
+              <a:ext uri="{FF2B5EF4-FFF2-40B4-BE49-F238E27FC236}">
+                <a16:creationId xmlns:a16="http://schemas.microsoft.com/office/drawing/2014/main" id="{907EF6B7-1338-4443-8C46-6A318D952DFD}"/>
+              </a:ext>
+              <a:ext uri="{C183D7F6-B498-43B3-948B-1728B52AA6E4}">
+                <adec:decorative xmlns:adec="http://schemas.microsoft.com/office/drawing/2017/decorative" val="1"/>
+              </a:ext>
+            </a:extLst>
+          </p:cNvPr>
+          <p:cNvSpPr>
+            <a:spLocks noGrp="1" noRot="1" noChangeAspect="1" noMove="1" noResize="1" noEditPoints="1" noAdjustHandles="1" noChangeArrowheads="1" noChangeShapeType="1" noTextEdit="1"/>
+          </p:cNvSpPr>
+          <p:nvPr>
+            <p:extLst>
+              <p:ext uri="{386F3935-93C4-4BCD-93E2-E3B085C9AB24}">
+                <p16:designElem xmlns:p16="http://schemas.microsoft.com/office/powerpoint/2015/main" val="1"/>
+              </p:ext>
+            </p:extLst>
+          </p:nvPr>
+        </p:nvSpPr>
+        <p:spPr>
+          <a:xfrm>
+            <a:off x="3048" y="0"/>
+            <a:ext cx="12188952" cy="6858000"/>
+          </a:xfrm>
+          <a:prstGeom prst="rect">
+            <a:avLst/>
+          </a:prstGeom>
+          <a:ln>
+            <a:noFill/>
+          </a:ln>
+        </p:spPr>
+        <p:style>
+          <a:lnRef idx="2">
+            <a:schemeClr val="accent1">
+              <a:shade val="50000"/>
+            </a:schemeClr>
+          </a:lnRef>
+          <a:fillRef idx="1">
+            <a:schemeClr val="accent1"/>
+          </a:fillRef>
+          <a:effectRef idx="0">
+            <a:schemeClr val="accent1"/>
+          </a:effectRef>
+          <a:fontRef idx="minor">
+            <a:schemeClr val="lt1"/>
+          </a:fontRef>
+        </p:style>
+        <p:txBody>
+          <a:bodyPr rtlCol="0" anchor="ctr"/>
+          <a:lstStyle/>
+          <a:p>
+            <a:pPr algn="ctr"/>
+            <a:endParaRPr lang="en-US"/>
+          </a:p>
+        </p:txBody>
+      </p:sp>
+      <p:sp>
+        <p:nvSpPr>
+          <p:cNvPr id="10" name="Freeform: Shape 9">
+            <a:extLst>
+              <a:ext uri="{FF2B5EF4-FFF2-40B4-BE49-F238E27FC236}">
+                <a16:creationId xmlns:a16="http://schemas.microsoft.com/office/drawing/2014/main" id="{DAAE4CDD-124C-4DCF-9584-B6033B545DD5}"/>
+              </a:ext>
+              <a:ext uri="{C183D7F6-B498-43B3-948B-1728B52AA6E4}">
+                <adec:decorative xmlns:adec="http://schemas.microsoft.com/office/drawing/2017/decorative" val="1"/>
+              </a:ext>
+            </a:extLst>
+          </p:cNvPr>
+          <p:cNvSpPr>
+            <a:spLocks noGrp="1" noRot="1" noChangeAspect="1" noMove="1" noResize="1" noEditPoints="1" noAdjustHandles="1" noChangeArrowheads="1" noChangeShapeType="1" noTextEdit="1"/>
+          </p:cNvSpPr>
+          <p:nvPr>
+            <p:extLst>
+              <p:ext uri="{386F3935-93C4-4BCD-93E2-E3B085C9AB24}">
+                <p16:designElem xmlns:p16="http://schemas.microsoft.com/office/powerpoint/2015/main" val="1"/>
+              </p:ext>
+            </p:extLst>
+          </p:nvPr>
+        </p:nvSpPr>
+        <p:spPr>
+          <a:xfrm>
+            <a:off x="1" y="0"/>
+            <a:ext cx="4167271" cy="6858000"/>
+          </a:xfrm>
+          <a:custGeom>
+            <a:avLst/>
+            <a:gdLst>
+              <a:gd name="connsiteX0" fmla="*/ 0 w 4167271"/>
+              <a:gd name="connsiteY0" fmla="*/ 0 h 6858000"/>
+              <a:gd name="connsiteX1" fmla="*/ 2259550 w 4167271"/>
+              <a:gd name="connsiteY1" fmla="*/ 0 h 6858000"/>
+              <a:gd name="connsiteX2" fmla="*/ 2387803 w 4167271"/>
+              <a:gd name="connsiteY2" fmla="*/ 82222 h 6858000"/>
+              <a:gd name="connsiteX3" fmla="*/ 4167271 w 4167271"/>
+              <a:gd name="connsiteY3" fmla="*/ 3429000 h 6858000"/>
+              <a:gd name="connsiteX4" fmla="*/ 2387803 w 4167271"/>
+              <a:gd name="connsiteY4" fmla="*/ 6775779 h 6858000"/>
+              <a:gd name="connsiteX5" fmla="*/ 2259550 w 4167271"/>
+              <a:gd name="connsiteY5" fmla="*/ 6858000 h 6858000"/>
+              <a:gd name="connsiteX6" fmla="*/ 0 w 4167271"/>
+              <a:gd name="connsiteY6" fmla="*/ 6858000 h 6858000"/>
+            </a:gdLst>
+            <a:ahLst/>
+            <a:cxnLst>
+              <a:cxn ang="0">
+                <a:pos x="connsiteX0" y="connsiteY0"/>
+              </a:cxn>
+              <a:cxn ang="0">
+                <a:pos x="connsiteX1" y="connsiteY1"/>
+              </a:cxn>
+              <a:cxn ang="0">
+                <a:pos x="connsiteX2" y="connsiteY2"/>
+              </a:cxn>
+              <a:cxn ang="0">
+                <a:pos x="connsiteX3" y="connsiteY3"/>
+              </a:cxn>
+              <a:cxn ang="0">
+                <a:pos x="connsiteX4" y="connsiteY4"/>
+              </a:cxn>
+              <a:cxn ang="0">
+                <a:pos x="connsiteX5" y="connsiteY5"/>
+              </a:cxn>
+              <a:cxn ang="0">
+                <a:pos x="connsiteX6" y="connsiteY6"/>
+              </a:cxn>
+            </a:cxnLst>
+            <a:rect l="l" t="t" r="r" b="b"/>
+            <a:pathLst>
+              <a:path w="4167271" h="6858000">
+                <a:moveTo>
+                  <a:pt x="0" y="0"/>
+                </a:moveTo>
+                <a:lnTo>
+                  <a:pt x="2259550" y="0"/>
+                </a:lnTo>
+                <a:lnTo>
+                  <a:pt x="2387803" y="82222"/>
+                </a:lnTo>
+                <a:cubicBezTo>
+                  <a:pt x="3461407" y="807534"/>
+                  <a:pt x="4167271" y="2035835"/>
+                  <a:pt x="4167271" y="3429000"/>
+                </a:cubicBezTo>
+                <a:cubicBezTo>
+                  <a:pt x="4167271" y="4822165"/>
+                  <a:pt x="3461407" y="6050467"/>
+                  <a:pt x="2387803" y="6775779"/>
+                </a:cubicBezTo>
+                <a:lnTo>
+                  <a:pt x="2259550" y="6858000"/>
+                </a:lnTo>
+                <a:lnTo>
+                  <a:pt x="0" y="6858000"/>
+                </a:lnTo>
+                <a:close/>
+              </a:path>
+            </a:pathLst>
+          </a:custGeom>
+          <a:solidFill>
+            <a:schemeClr val="accent2"/>
+          </a:solidFill>
+          <a:ln>
+            <a:noFill/>
+          </a:ln>
+        </p:spPr>
+        <p:style>
+          <a:lnRef idx="2">
+            <a:schemeClr val="accent1">
+              <a:shade val="50000"/>
+            </a:schemeClr>
+          </a:lnRef>
+          <a:fillRef idx="1">
+            <a:schemeClr val="accent1"/>
+          </a:fillRef>
+          <a:effectRef idx="0">
+            <a:schemeClr val="accent1"/>
+          </a:effectRef>
+          <a:fontRef idx="minor">
+            <a:schemeClr val="lt1"/>
+          </a:fontRef>
+        </p:style>
+        <p:txBody>
+          <a:bodyPr rtlCol="0" anchor="ctr"/>
+          <a:lstStyle/>
+          <a:p>
+            <a:pPr algn="ctr"/>
+            <a:endParaRPr lang="en-US"/>
+          </a:p>
+        </p:txBody>
+      </p:sp>
+      <p:sp>
+        <p:nvSpPr>
+          <p:cNvPr id="2" name="Title 1">
+            <a:extLst>
+              <a:ext uri="{FF2B5EF4-FFF2-40B4-BE49-F238E27FC236}">
+                <a16:creationId xmlns:a16="http://schemas.microsoft.com/office/drawing/2014/main" id="{E926F783-DF01-9528-6966-F754B0CC0574}"/>
+              </a:ext>
+            </a:extLst>
+          </p:cNvPr>
+          <p:cNvSpPr>
+            <a:spLocks noGrp="1"/>
+          </p:cNvSpPr>
+          <p:nvPr>
+            <p:ph type="title"/>
+          </p:nvPr>
+        </p:nvSpPr>
+        <p:spPr>
+          <a:xfrm>
+            <a:off x="686834" y="1153572"/>
+            <a:ext cx="3200400" cy="4461163"/>
+          </a:xfrm>
+        </p:spPr>
+        <p:txBody>
+          <a:bodyPr>
+            <a:normAutofit/>
+          </a:bodyPr>
+          <a:lstStyle/>
+          <a:p>
+            <a:r>
+              <a:rPr lang="en-US" sz="4000" dirty="0">
+                <a:solidFill>
+                  <a:srgbClr val="FFFFFF"/>
+                </a:solidFill>
+              </a:rPr>
+              <a:t>	</a:t>
+            </a:r>
+            <a:endParaRPr lang="en-IN" sz="4000" dirty="0">
+              <a:solidFill>
+                <a:srgbClr val="FFFFFF"/>
+              </a:solidFill>
+            </a:endParaRPr>
+          </a:p>
+        </p:txBody>
+      </p:sp>
+      <p:sp>
+        <p:nvSpPr>
+          <p:cNvPr id="12" name="Arc 11">
+            <a:extLst>
+              <a:ext uri="{FF2B5EF4-FFF2-40B4-BE49-F238E27FC236}">
+                <a16:creationId xmlns:a16="http://schemas.microsoft.com/office/drawing/2014/main" id="{081E4A58-353D-44AE-B2FC-2A74E2E400F7}"/>
+              </a:ext>
+              <a:ext uri="{C183D7F6-B498-43B3-948B-1728B52AA6E4}">
+                <adec:decorative xmlns:adec="http://schemas.microsoft.com/office/drawing/2017/decorative" val="1"/>
+              </a:ext>
+            </a:extLst>
+          </p:cNvPr>
+          <p:cNvSpPr>
+            <a:spLocks noGrp="1" noRot="1" noChangeAspect="1" noMove="1" noResize="1" noEditPoints="1" noAdjustHandles="1" noChangeArrowheads="1" noChangeShapeType="1" noTextEdit="1"/>
+          </p:cNvSpPr>
+          <p:nvPr>
+            <p:extLst>
+              <p:ext uri="{386F3935-93C4-4BCD-93E2-E3B085C9AB24}">
+                <p16:designElem xmlns:p16="http://schemas.microsoft.com/office/powerpoint/2015/main" val="1"/>
+              </p:ext>
+            </p:extLst>
+          </p:nvPr>
+        </p:nvSpPr>
+        <p:spPr>
+          <a:xfrm flipV="1">
+            <a:off x="7550402" y="2455479"/>
+            <a:ext cx="4083433" cy="4083433"/>
+          </a:xfrm>
+          <a:prstGeom prst="arc">
+            <a:avLst/>
+          </a:prstGeom>
+          <a:ln w="127000" cap="rnd">
+            <a:solidFill>
+              <a:schemeClr val="accent4"/>
+            </a:solidFill>
+            <a:prstDash val="dash"/>
+          </a:ln>
+        </p:spPr>
+        <p:style>
+          <a:lnRef idx="1">
+            <a:schemeClr val="accent1"/>
+          </a:lnRef>
+          <a:fillRef idx="0">
+            <a:schemeClr val="accent1"/>
+          </a:fillRef>
+          <a:effectRef idx="0">
+            <a:schemeClr val="accent1"/>
+          </a:effectRef>
+          <a:fontRef idx="minor">
+            <a:schemeClr val="tx1"/>
+          </a:fontRef>
+        </p:style>
+        <p:txBody>
+          <a:bodyPr rtlCol="0" anchor="ctr"/>
+          <a:lstStyle/>
+          <a:p>
+            <a:pPr algn="ctr"/>
+            <a:endParaRPr lang="en-US" dirty="0"/>
+          </a:p>
+        </p:txBody>
+      </p:sp>
+      <p:sp>
+        <p:nvSpPr>
+          <p:cNvPr id="3" name="Content Placeholder 2">
+            <a:extLst>
+              <a:ext uri="{FF2B5EF4-FFF2-40B4-BE49-F238E27FC236}">
+                <a16:creationId xmlns:a16="http://schemas.microsoft.com/office/drawing/2014/main" id="{0D8DE45A-F6FF-DBC5-9304-1E1031B21AB4}"/>
+              </a:ext>
+            </a:extLst>
+          </p:cNvPr>
+          <p:cNvSpPr>
+            <a:spLocks noGrp="1"/>
+          </p:cNvSpPr>
+          <p:nvPr>
+            <p:ph idx="1"/>
+          </p:nvPr>
+        </p:nvSpPr>
+        <p:spPr>
+          <a:xfrm>
+            <a:off x="4447308" y="591344"/>
+            <a:ext cx="6906491" cy="5585619"/>
+          </a:xfrm>
+        </p:spPr>
+        <p:txBody>
+          <a:bodyPr anchor="ctr">
+            <a:normAutofit/>
+          </a:bodyPr>
+          <a:lstStyle/>
+          <a:p>
+            <a:pPr>
+              <a:spcBef>
+                <a:spcPts val="1500"/>
+              </a:spcBef>
+            </a:pPr>
+            <a:r>
+              <a:rPr lang="en-IN" sz="2700" dirty="0"/>
+              <a:t>By following this data-driven strategy, we can leverage customer insights, personalization, and optimization techniques to increase engagement, drive conversion, and ultimately maximize the ROI of the Engagement Campaign.</a:t>
+            </a:r>
+          </a:p>
+          <a:p>
+            <a:pPr marL="0" indent="0">
+              <a:buNone/>
+            </a:pPr>
+            <a:endParaRPr lang="en-US" dirty="0"/>
+          </a:p>
+        </p:txBody>
+      </p:sp>
+    </p:spTree>
+    <p:extLst>
+      <p:ext uri="{BB962C8B-B14F-4D97-AF65-F5344CB8AC3E}">
+        <p14:creationId xmlns:p14="http://schemas.microsoft.com/office/powerpoint/2010/main" val="2499110294"/>
       </p:ext>
     </p:extLst>
   </p:cSld>

--- a/Monsoon Bonanza Offer.pptx
+++ b/Monsoon Bonanza Offer.pptx
@@ -266,7 +266,7 @@
           <a:p>
             <a:fld id="{B9CBFC18-946B-4079-B581-58535D8C6C7A}" type="datetimeFigureOut">
               <a:rPr lang="en-IN" smtClean="0"/>
-              <a:t>09-07-2023</a:t>
+              <a:t>14-07-2023</a:t>
             </a:fld>
             <a:endParaRPr lang="en-IN"/>
           </a:p>
@@ -466,7 +466,7 @@
           <a:p>
             <a:fld id="{B9CBFC18-946B-4079-B581-58535D8C6C7A}" type="datetimeFigureOut">
               <a:rPr lang="en-IN" smtClean="0"/>
-              <a:t>09-07-2023</a:t>
+              <a:t>14-07-2023</a:t>
             </a:fld>
             <a:endParaRPr lang="en-IN"/>
           </a:p>
@@ -676,7 +676,7 @@
           <a:p>
             <a:fld id="{B9CBFC18-946B-4079-B581-58535D8C6C7A}" type="datetimeFigureOut">
               <a:rPr lang="en-IN" smtClean="0"/>
-              <a:t>09-07-2023</a:t>
+              <a:t>14-07-2023</a:t>
             </a:fld>
             <a:endParaRPr lang="en-IN"/>
           </a:p>
@@ -876,7 +876,7 @@
           <a:p>
             <a:fld id="{B9CBFC18-946B-4079-B581-58535D8C6C7A}" type="datetimeFigureOut">
               <a:rPr lang="en-IN" smtClean="0"/>
-              <a:t>09-07-2023</a:t>
+              <a:t>14-07-2023</a:t>
             </a:fld>
             <a:endParaRPr lang="en-IN"/>
           </a:p>
@@ -1152,7 +1152,7 @@
           <a:p>
             <a:fld id="{B9CBFC18-946B-4079-B581-58535D8C6C7A}" type="datetimeFigureOut">
               <a:rPr lang="en-IN" smtClean="0"/>
-              <a:t>09-07-2023</a:t>
+              <a:t>14-07-2023</a:t>
             </a:fld>
             <a:endParaRPr lang="en-IN"/>
           </a:p>
@@ -1420,7 +1420,7 @@
           <a:p>
             <a:fld id="{B9CBFC18-946B-4079-B581-58535D8C6C7A}" type="datetimeFigureOut">
               <a:rPr lang="en-IN" smtClean="0"/>
-              <a:t>09-07-2023</a:t>
+              <a:t>14-07-2023</a:t>
             </a:fld>
             <a:endParaRPr lang="en-IN"/>
           </a:p>
@@ -1835,7 +1835,7 @@
           <a:p>
             <a:fld id="{B9CBFC18-946B-4079-B581-58535D8C6C7A}" type="datetimeFigureOut">
               <a:rPr lang="en-IN" smtClean="0"/>
-              <a:t>09-07-2023</a:t>
+              <a:t>14-07-2023</a:t>
             </a:fld>
             <a:endParaRPr lang="en-IN"/>
           </a:p>
@@ -1977,7 +1977,7 @@
           <a:p>
             <a:fld id="{B9CBFC18-946B-4079-B581-58535D8C6C7A}" type="datetimeFigureOut">
               <a:rPr lang="en-IN" smtClean="0"/>
-              <a:t>09-07-2023</a:t>
+              <a:t>14-07-2023</a:t>
             </a:fld>
             <a:endParaRPr lang="en-IN"/>
           </a:p>
@@ -2090,7 +2090,7 @@
           <a:p>
             <a:fld id="{B9CBFC18-946B-4079-B581-58535D8C6C7A}" type="datetimeFigureOut">
               <a:rPr lang="en-IN" smtClean="0"/>
-              <a:t>09-07-2023</a:t>
+              <a:t>14-07-2023</a:t>
             </a:fld>
             <a:endParaRPr lang="en-IN"/>
           </a:p>
@@ -2403,7 +2403,7 @@
           <a:p>
             <a:fld id="{B9CBFC18-946B-4079-B581-58535D8C6C7A}" type="datetimeFigureOut">
               <a:rPr lang="en-IN" smtClean="0"/>
-              <a:t>09-07-2023</a:t>
+              <a:t>14-07-2023</a:t>
             </a:fld>
             <a:endParaRPr lang="en-IN"/>
           </a:p>
@@ -2692,7 +2692,7 @@
           <a:p>
             <a:fld id="{B9CBFC18-946B-4079-B581-58535D8C6C7A}" type="datetimeFigureOut">
               <a:rPr lang="en-IN" smtClean="0"/>
-              <a:t>09-07-2023</a:t>
+              <a:t>14-07-2023</a:t>
             </a:fld>
             <a:endParaRPr lang="en-IN"/>
           </a:p>
@@ -2935,7 +2935,7 @@
           <a:p>
             <a:fld id="{B9CBFC18-946B-4079-B581-58535D8C6C7A}" type="datetimeFigureOut">
               <a:rPr lang="en-IN" smtClean="0"/>
-              <a:t>09-07-2023</a:t>
+              <a:t>14-07-2023</a:t>
             </a:fld>
             <a:endParaRPr lang="en-IN"/>
           </a:p>
